--- a/dunia ilkom/4 Data Array Bahasa C++.pptx
+++ b/dunia ilkom/4 Data Array Bahasa C++.pptx
@@ -271,7 +271,7 @@
           <a:p>
             <a:fld id="{CA430C0A-5464-4FE4-84EB-FF9C94016DF4}" type="datetimeFigureOut">
               <a:rPr lang="en-US" dirty="0"/>
-              <a:t>5/20/2021</a:t>
+              <a:t>5/22/2021</a:t>
             </a:fld>
             <a:endParaRPr lang="en-US" dirty="0"/>
           </a:p>
@@ -437,7 +437,7 @@
           <a:p>
             <a:fld id="{E9F9C37B-1D36-470B-8223-D6C91242EC14}" type="datetimeFigureOut">
               <a:rPr lang="en-US" dirty="0"/>
-              <a:t>5/20/2021</a:t>
+              <a:t>5/22/2021</a:t>
             </a:fld>
             <a:endParaRPr lang="en-US" dirty="0"/>
           </a:p>
@@ -612,7 +612,7 @@
           <a:p>
             <a:fld id="{67C6F52A-A82B-47A2-A83A-8C4C91F2D59F}" type="datetimeFigureOut">
               <a:rPr lang="en-US" dirty="0"/>
-              <a:t>5/20/2021</a:t>
+              <a:t>5/22/2021</a:t>
             </a:fld>
             <a:endParaRPr lang="en-US" dirty="0"/>
           </a:p>
@@ -777,7 +777,7 @@
           <a:p>
             <a:fld id="{F070A7B3-6521-4DCA-87E5-044747A908C1}" type="datetimeFigureOut">
               <a:rPr lang="en-US" dirty="0"/>
-              <a:t>5/20/2021</a:t>
+              <a:t>5/22/2021</a:t>
             </a:fld>
             <a:endParaRPr lang="en-US" dirty="0"/>
           </a:p>
@@ -1033,7 +1033,7 @@
           <a:p>
             <a:fld id="{360C6404-AD6E-4860-8E75-697CA40B95DA}" type="datetimeFigureOut">
               <a:rPr lang="en-US" dirty="0"/>
-              <a:t>5/20/2021</a:t>
+              <a:t>5/22/2021</a:t>
             </a:fld>
             <a:endParaRPr lang="en-US" dirty="0"/>
           </a:p>
@@ -1261,7 +1261,7 @@
           <a:p>
             <a:fld id="{AB134690-1557-4C89-A502-4959FE7FAD70}" type="datetimeFigureOut">
               <a:rPr lang="en-US" dirty="0"/>
-              <a:t>5/20/2021</a:t>
+              <a:t>5/22/2021</a:t>
             </a:fld>
             <a:endParaRPr lang="en-US" dirty="0"/>
           </a:p>
@@ -1611,7 +1611,7 @@
           <a:p>
             <a:fld id="{4F7D4976-E339-4826-83B7-FBD03F55ECF8}" type="datetimeFigureOut">
               <a:rPr lang="en-US" dirty="0"/>
-              <a:t>5/20/2021</a:t>
+              <a:t>5/22/2021</a:t>
             </a:fld>
             <a:endParaRPr lang="en-US" dirty="0"/>
           </a:p>
@@ -1747,7 +1747,7 @@
           <a:p>
             <a:fld id="{E1037C31-9E7A-4F99-8774-A0E530DE1A42}" type="datetimeFigureOut">
               <a:rPr lang="en-US" dirty="0"/>
-              <a:t>5/20/2021</a:t>
+              <a:t>5/22/2021</a:t>
             </a:fld>
             <a:endParaRPr lang="en-US" dirty="0"/>
           </a:p>
@@ -1837,7 +1837,7 @@
           <a:p>
             <a:fld id="{C278504F-A551-4DE0-9316-4DCD1D8CC752}" type="datetimeFigureOut">
               <a:rPr lang="en-US" dirty="0"/>
-              <a:t>5/20/2021</a:t>
+              <a:t>5/22/2021</a:t>
             </a:fld>
             <a:endParaRPr lang="en-US" dirty="0"/>
           </a:p>
@@ -2189,7 +2189,7 @@
           <a:p>
             <a:fld id="{D1BE4249-C0D0-4B06-8692-E8BB871AF643}" type="datetimeFigureOut">
               <a:rPr lang="en-US" dirty="0"/>
-              <a:t>5/20/2021</a:t>
+              <a:t>5/22/2021</a:t>
             </a:fld>
             <a:endParaRPr lang="en-US" dirty="0"/>
           </a:p>
@@ -2502,7 +2502,7 @@
           <a:p>
             <a:fld id="{042B0DB6-F5C7-45FB-8CF3-31B45F9C2DAC}" type="datetimeFigureOut">
               <a:rPr lang="en-US" dirty="0"/>
-              <a:t>5/20/2021</a:t>
+              <a:t>5/22/2021</a:t>
             </a:fld>
             <a:endParaRPr lang="en-US" dirty="0"/>
           </a:p>
@@ -2742,7 +2742,7 @@
           <a:p>
             <a:fld id="{1160EA64-D806-43AC-9DF2-F8C432F32B4C}" type="datetimeFigureOut">
               <a:rPr lang="en-US" dirty="0"/>
-              <a:t>5/20/2021</a:t>
+              <a:t>5/22/2021</a:t>
             </a:fld>
             <a:endParaRPr lang="en-US" dirty="0"/>
           </a:p>
@@ -3614,7 +3614,7 @@
         </p:blipFill>
         <p:spPr>
           <a:xfrm>
-            <a:off x="2720687" y="2493585"/>
+            <a:off x="2720687" y="2534547"/>
             <a:ext cx="6362700" cy="3390900"/>
           </a:xfrm>
           <a:prstGeom prst="rect">
